--- a/Recursos/red Social/Red Social.pptx
+++ b/Recursos/red Social/Red Social.pptx
@@ -4084,7 +4084,7 @@
         </p:nvGraphicFramePr>
         <p:xfrm>
           <a:off x="343523" y="5611181"/>
-          <a:ext cx="18619033" cy="6480447"/>
+          <a:ext cx="18619033" cy="6480826"/>
         </p:xfrm>
         <a:graphic>
           <a:graphicData uri="http://schemas.openxmlformats.org/drawingml/2006/table">
@@ -10157,18 +10157,13 @@
           </a:lstStyle>
           <a:p>
             <a:r>
-              <a:rPr lang="es-EC">
+              <a:rPr lang="es-EC" dirty="0">
                 <a:solidFill>
                   <a:schemeClr val="tx1"/>
                 </a:solidFill>
               </a:rPr>
               <a:t>Mes</a:t>
             </a:r>
-            <a:endParaRPr lang="es-EC" dirty="0">
-              <a:solidFill>
-                <a:schemeClr val="tx1"/>
-              </a:solidFill>
-            </a:endParaRPr>
           </a:p>
         </p:txBody>
       </p:sp>
@@ -11215,8 +11210,8 @@
         </p:nvSpPr>
         <p:spPr>
           <a:xfrm>
-            <a:off x="4337688" y="7672181"/>
-            <a:ext cx="6045363" cy="400110"/>
+            <a:off x="4363087" y="7722118"/>
+            <a:ext cx="6543207" cy="400110"/>
           </a:xfrm>
           <a:prstGeom prst="rect">
             <a:avLst/>
